--- a/arenaClassDiagramRaw.pptx
+++ b/arenaClassDiagramRaw.pptx
@@ -104,6 +104,11 @@
       </a:defRPr>
     </a:lvl9pPr>
   </p:defaultTextStyle>
+  <p:extLst>
+    <p:ext uri="{EFAFB233-063F-42B5-8137-9DF3F51BA10A}">
+      <p15:sldGuideLst xmlns:p15="http://schemas.microsoft.com/office/powerpoint/2012/main"/>
+    </p:ext>
+  </p:extLst>
 </p:presentation>
 </file>
 
@@ -2950,6 +2955,14 @@
 <file path=ppt/slides/slide1.xml><?xml version="1.0" encoding="utf-8"?>
 <p:sld xmlns:a="http://schemas.openxmlformats.org/drawingml/2006/main" xmlns:r="http://schemas.openxmlformats.org/officeDocument/2006/relationships" xmlns:p="http://schemas.openxmlformats.org/presentationml/2006/main">
   <p:cSld>
+    <p:bg>
+      <p:bgPr>
+        <a:solidFill>
+          <a:schemeClr val="bg1"/>
+        </a:solidFill>
+        <a:effectLst/>
+      </p:bgPr>
+    </p:bg>
     <p:spTree>
       <p:nvGrpSpPr>
         <p:cNvPr id="1" name=""/>
@@ -2976,124 +2989,157 @@
         </p:nvSpPr>
         <p:spPr>
           <a:xfrm>
-            <a:off x="0" y="-1"/>
-            <a:ext cx="3960812" cy="1951115"/>
+            <a:off x="0" y="0"/>
+            <a:ext cx="3416300" cy="2590800"/>
           </a:xfrm>
+          <a:noFill/>
+          <a:ln>
+            <a:solidFill>
+              <a:schemeClr val="tx1"/>
+            </a:solidFill>
+          </a:ln>
         </p:spPr>
         <p:txBody>
           <a:bodyPr>
-            <a:normAutofit fontScale="70000" lnSpcReduction="20000"/>
+            <a:normAutofit/>
           </a:bodyPr>
           <a:lstStyle/>
           <a:p>
             <a:r>
-              <a:rPr lang="en-US" dirty="0" smtClean="0"/>
+              <a:rPr lang="en-US" sz="1000" dirty="0" smtClean="0"/>
               <a:t>Operator</a:t>
             </a:r>
           </a:p>
           <a:p>
             <a:r>
-              <a:rPr lang="en-US" dirty="0" smtClean="0"/>
+              <a:rPr lang="en-US" sz="1000" dirty="0" smtClean="0"/>
               <a:t>+ </a:t>
             </a:r>
             <a:r>
-              <a:rPr lang="en-US" dirty="0" err="1" smtClean="0"/>
+              <a:rPr lang="en-US" sz="1000" dirty="0" err="1" smtClean="0"/>
               <a:t>userID</a:t>
             </a:r>
             <a:r>
-              <a:rPr lang="en-US" dirty="0" smtClean="0"/>
+              <a:rPr lang="en-US" sz="1000" dirty="0" smtClean="0"/>
+              <a:t>: </a:t>
+            </a:r>
+            <a:r>
+              <a:rPr lang="en-US" sz="1000" dirty="0" smtClean="0"/>
+              <a:t>String</a:t>
+            </a:r>
+          </a:p>
+          <a:p>
+            <a:r>
+              <a:rPr lang="en-US" sz="1000" dirty="0" smtClean="0"/>
+              <a:t>+ </a:t>
+            </a:r>
+            <a:r>
+              <a:rPr lang="en-US" sz="1000" dirty="0" err="1" smtClean="0"/>
+              <a:t>userName</a:t>
+            </a:r>
+            <a:r>
+              <a:rPr lang="en-US" sz="1000" dirty="0" smtClean="0"/>
               <a:t>: String</a:t>
             </a:r>
           </a:p>
           <a:p>
             <a:r>
-              <a:rPr lang="en-US" dirty="0" smtClean="0"/>
-              <a:t>-------------------------------------------------------------------</a:t>
-            </a:r>
-          </a:p>
-          <a:p>
-            <a:endParaRPr lang="en-US" dirty="0" smtClean="0"/>
-          </a:p>
-          <a:p>
-            <a:r>
-              <a:rPr lang="en-US" dirty="0" smtClean="0"/>
+              <a:rPr lang="en-US" sz="1000" dirty="0" smtClean="0"/>
               <a:t>+ </a:t>
             </a:r>
             <a:r>
-              <a:rPr lang="en-US" dirty="0" err="1" smtClean="0"/>
+              <a:rPr lang="en-US" sz="1000" dirty="0" err="1" smtClean="0"/>
+              <a:t>userPassword</a:t>
+            </a:r>
+            <a:r>
+              <a:rPr lang="en-US" sz="1000" dirty="0" smtClean="0"/>
+              <a:t>: String</a:t>
+            </a:r>
+            <a:endParaRPr lang="en-US" sz="1000" dirty="0" smtClean="0"/>
+          </a:p>
+          <a:p>
+            <a:endParaRPr lang="en-US" sz="1000" dirty="0" smtClean="0"/>
+          </a:p>
+          <a:p>
+            <a:r>
+              <a:rPr lang="en-US" sz="1000" dirty="0" smtClean="0"/>
+              <a:t>+ </a:t>
+            </a:r>
+            <a:r>
+              <a:rPr lang="en-US" sz="1000" dirty="0" err="1" smtClean="0"/>
               <a:t>CreateNewGameCategory</a:t>
             </a:r>
             <a:r>
-              <a:rPr lang="en-US" dirty="0" smtClean="0"/>
+              <a:rPr lang="en-US" sz="1000" dirty="0" smtClean="0"/>
               <a:t>(String </a:t>
             </a:r>
             <a:r>
-              <a:rPr lang="en-US" dirty="0" err="1" smtClean="0"/>
+              <a:rPr lang="en-US" sz="1000" dirty="0" err="1" smtClean="0"/>
               <a:t>gameCategoryName</a:t>
             </a:r>
             <a:r>
-              <a:rPr lang="en-US" dirty="0" smtClean="0"/>
+              <a:rPr lang="en-US" sz="1000" dirty="0" smtClean="0"/>
               <a:t>)</a:t>
             </a:r>
           </a:p>
           <a:p>
             <a:r>
-              <a:rPr lang="en-US" dirty="0" smtClean="0"/>
+              <a:rPr lang="en-US" sz="1000" dirty="0" smtClean="0"/>
               <a:t>+ </a:t>
             </a:r>
             <a:r>
-              <a:rPr lang="en-US" dirty="0" err="1" smtClean="0"/>
+              <a:rPr lang="en-US" sz="1000" dirty="0" err="1" smtClean="0"/>
               <a:t>CreateNewTournamentStyle</a:t>
             </a:r>
             <a:r>
-              <a:rPr lang="en-US" dirty="0" smtClean="0"/>
+              <a:rPr lang="en-US" sz="1000" dirty="0" smtClean="0"/>
               <a:t>(String </a:t>
             </a:r>
             <a:r>
-              <a:rPr lang="en-US" dirty="0" err="1" smtClean="0"/>
+              <a:rPr lang="en-US" sz="1000" dirty="0" err="1" smtClean="0"/>
               <a:t>tournamentStyleName</a:t>
             </a:r>
             <a:r>
-              <a:rPr lang="en-US" dirty="0" smtClean="0"/>
+              <a:rPr lang="en-US" sz="1000" dirty="0" smtClean="0"/>
               <a:t>)</a:t>
             </a:r>
           </a:p>
           <a:p>
             <a:r>
-              <a:rPr lang="en-US" dirty="0" smtClean="0"/>
+              <a:rPr lang="en-US" sz="1000" dirty="0" smtClean="0"/>
               <a:t>+ </a:t>
             </a:r>
             <a:r>
-              <a:rPr lang="en-US" dirty="0" err="1" smtClean="0"/>
+              <a:rPr lang="en-US" sz="1000" dirty="0" err="1" smtClean="0"/>
               <a:t>DefineExpertRatingFormaula</a:t>
             </a:r>
             <a:r>
-              <a:rPr lang="en-US" dirty="0" smtClean="0"/>
+              <a:rPr lang="en-US" sz="1000" dirty="0" smtClean="0"/>
               <a:t>()</a:t>
             </a:r>
           </a:p>
           <a:p>
             <a:r>
-              <a:rPr lang="en-US" dirty="0" smtClean="0"/>
+              <a:rPr lang="en-US" sz="1000" dirty="0" smtClean="0"/>
               <a:t>+ </a:t>
             </a:r>
             <a:r>
-              <a:rPr lang="en-US" dirty="0" err="1" smtClean="0"/>
+              <a:rPr lang="en-US" sz="1000" dirty="0" err="1" smtClean="0"/>
               <a:t>MangeUsers</a:t>
             </a:r>
             <a:r>
-              <a:rPr lang="en-US" dirty="0" smtClean="0"/>
+              <a:rPr lang="en-US" sz="1000" dirty="0" smtClean="0"/>
               <a:t> (string </a:t>
             </a:r>
             <a:r>
-              <a:rPr lang="en-US" dirty="0" err="1" smtClean="0"/>
+              <a:rPr lang="en-US" sz="1000" dirty="0" err="1" smtClean="0"/>
               <a:t>userID</a:t>
             </a:r>
             <a:r>
-              <a:rPr lang="en-US" dirty="0" smtClean="0"/>
+              <a:rPr lang="en-US" sz="1000" dirty="0" smtClean="0"/>
               <a:t>)</a:t>
             </a:r>
-            <a:endParaRPr lang="en-US" dirty="0"/>
+            <a:endParaRPr lang="en-US" sz="1000" dirty="0"/>
           </a:p>
         </p:txBody>
       </p:sp>
@@ -3107,16 +3153,22 @@
         </p:nvSpPr>
         <p:spPr>
           <a:xfrm>
-            <a:off x="8373979" y="419100"/>
-            <a:ext cx="3960812" cy="2394283"/>
+            <a:off x="176463" y="3756186"/>
+            <a:ext cx="4133586" cy="2652312"/>
           </a:xfrm>
           <a:prstGeom prst="rect">
             <a:avLst/>
           </a:prstGeom>
+          <a:noFill/>
+          <a:ln>
+            <a:solidFill>
+              <a:schemeClr val="tx1"/>
+            </a:solidFill>
+          </a:ln>
         </p:spPr>
         <p:txBody>
           <a:bodyPr vert="horz" lIns="91440" tIns="45720" rIns="91440" bIns="45720" rtlCol="0">
-            <a:normAutofit fontScale="62500" lnSpcReduction="20000"/>
+            <a:normAutofit/>
           </a:bodyPr>
           <a:lstStyle>
             <a:lvl1pPr marL="0" indent="0" algn="l" defTabSz="914400" rtl="0" eaLnBrk="1" latinLnBrk="0" hangingPunct="1">
@@ -3284,166 +3336,161 @@
           </a:lstStyle>
           <a:p>
             <a:r>
-              <a:rPr lang="en-US" dirty="0" smtClean="0"/>
+              <a:rPr lang="en-US" sz="1200" dirty="0" smtClean="0"/>
               <a:t>League Owner</a:t>
             </a:r>
           </a:p>
           <a:p>
             <a:r>
-              <a:rPr lang="en-US" dirty="0" smtClean="0"/>
+              <a:rPr lang="en-US" sz="1200" dirty="0" smtClean="0"/>
               <a:t>+ </a:t>
             </a:r>
             <a:r>
-              <a:rPr lang="en-US" dirty="0" err="1" smtClean="0"/>
+              <a:rPr lang="en-US" sz="1200" dirty="0" err="1" smtClean="0"/>
               <a:t>userID</a:t>
             </a:r>
             <a:r>
-              <a:rPr lang="en-US" dirty="0" smtClean="0"/>
-              <a:t>: String</a:t>
-            </a:r>
-          </a:p>
-          <a:p>
-            <a:r>
-              <a:rPr lang="en-US" dirty="0" smtClean="0"/>
-              <a:t>-------------------------------------------------------------------</a:t>
-            </a:r>
-          </a:p>
-          <a:p>
-            <a:endParaRPr lang="en-US" dirty="0" smtClean="0"/>
-          </a:p>
-          <a:p>
-            <a:r>
-              <a:rPr lang="en-US" dirty="0" smtClean="0"/>
+              <a:rPr lang="en-US" sz="1200" dirty="0" smtClean="0"/>
+              <a:t>: </a:t>
+            </a:r>
+            <a:r>
+              <a:rPr lang="en-US" sz="1200" dirty="0" smtClean="0"/>
+              <a:t>String</a:t>
+            </a:r>
+            <a:endParaRPr lang="en-US" sz="1200" dirty="0" smtClean="0"/>
+          </a:p>
+          <a:p>
+            <a:endParaRPr lang="en-US" sz="1200" dirty="0" smtClean="0"/>
+          </a:p>
+          <a:p>
+            <a:r>
+              <a:rPr lang="en-US" sz="1200" dirty="0" smtClean="0"/>
               <a:t>+ </a:t>
             </a:r>
             <a:r>
-              <a:rPr lang="en-US" dirty="0" err="1" smtClean="0"/>
+              <a:rPr lang="en-US" sz="1200" dirty="0" err="1" smtClean="0"/>
               <a:t>CreateNewLeague</a:t>
             </a:r>
             <a:r>
-              <a:rPr lang="en-US" dirty="0" smtClean="0"/>
+              <a:rPr lang="en-US" sz="1200" dirty="0" smtClean="0"/>
               <a:t> (String </a:t>
             </a:r>
             <a:r>
-              <a:rPr lang="en-US" dirty="0" err="1" smtClean="0"/>
+              <a:rPr lang="en-US" sz="1200" dirty="0" err="1" smtClean="0"/>
               <a:t>newLeagueName</a:t>
             </a:r>
             <a:r>
-              <a:rPr lang="en-US" dirty="0" smtClean="0"/>
+              <a:rPr lang="en-US" sz="1200" dirty="0" smtClean="0"/>
               <a:t>)</a:t>
             </a:r>
           </a:p>
           <a:p>
             <a:r>
-              <a:rPr lang="en-US" dirty="0" smtClean="0"/>
+              <a:rPr lang="en-US" sz="1200" dirty="0" smtClean="0"/>
               <a:t>+ </a:t>
             </a:r>
             <a:r>
-              <a:rPr lang="en-US" dirty="0" err="1" smtClean="0"/>
+              <a:rPr lang="en-US" sz="1200" dirty="0" err="1" smtClean="0"/>
               <a:t>ManageLeagueTournament</a:t>
             </a:r>
             <a:r>
-              <a:rPr lang="en-US" dirty="0" smtClean="0"/>
+              <a:rPr lang="en-US" sz="1200" dirty="0" smtClean="0"/>
               <a:t>(String </a:t>
             </a:r>
             <a:r>
-              <a:rPr lang="en-US" dirty="0" err="1" smtClean="0"/>
+              <a:rPr lang="en-US" sz="1200" dirty="0" err="1" smtClean="0"/>
               <a:t>leagueTournamentID</a:t>
             </a:r>
             <a:r>
-              <a:rPr lang="en-US" dirty="0" smtClean="0"/>
+              <a:rPr lang="en-US" sz="1200" dirty="0" smtClean="0"/>
               <a:t>)</a:t>
             </a:r>
           </a:p>
           <a:p>
             <a:r>
-              <a:rPr lang="en-US" dirty="0" smtClean="0"/>
+              <a:rPr lang="en-US" sz="1200" dirty="0" smtClean="0"/>
               <a:t>+ </a:t>
             </a:r>
             <a:r>
-              <a:rPr lang="en-US" dirty="0" err="1" smtClean="0"/>
+              <a:rPr lang="en-US" sz="1200" dirty="0" err="1" smtClean="0"/>
               <a:t>CreateLeagueTournament</a:t>
             </a:r>
             <a:r>
-              <a:rPr lang="en-US" dirty="0" smtClean="0"/>
+              <a:rPr lang="en-US" sz="1200" dirty="0" smtClean="0"/>
               <a:t>(String </a:t>
             </a:r>
             <a:r>
-              <a:rPr lang="en-US" dirty="0" err="1" smtClean="0"/>
+              <a:rPr lang="en-US" sz="1200" dirty="0" err="1" smtClean="0"/>
               <a:t>leagueTournamentName</a:t>
             </a:r>
             <a:r>
-              <a:rPr lang="en-US" dirty="0" smtClean="0"/>
+              <a:rPr lang="en-US" sz="1200" dirty="0" smtClean="0"/>
               <a:t>)</a:t>
             </a:r>
           </a:p>
           <a:p>
             <a:r>
-              <a:rPr lang="en-US" dirty="0" smtClean="0"/>
+              <a:rPr lang="en-US" sz="1200" dirty="0" smtClean="0"/>
               <a:t>+ </a:t>
             </a:r>
             <a:r>
-              <a:rPr lang="en-US" dirty="0" err="1" smtClean="0"/>
+              <a:rPr lang="en-US" sz="1200" dirty="0" err="1" smtClean="0"/>
               <a:t>DeclareTournamentWinner</a:t>
             </a:r>
             <a:r>
-              <a:rPr lang="en-US" dirty="0" smtClean="0"/>
+              <a:rPr lang="en-US" sz="1200" dirty="0" smtClean="0"/>
               <a:t>(String </a:t>
             </a:r>
             <a:r>
-              <a:rPr lang="en-US" dirty="0" err="1" smtClean="0"/>
+              <a:rPr lang="en-US" sz="1200" dirty="0" err="1" smtClean="0"/>
               <a:t>userID</a:t>
             </a:r>
             <a:r>
-              <a:rPr lang="en-US" dirty="0" smtClean="0"/>
+              <a:rPr lang="en-US" sz="1200" dirty="0" smtClean="0"/>
               <a:t>)</a:t>
             </a:r>
           </a:p>
           <a:p>
             <a:r>
-              <a:rPr lang="en-US" dirty="0" smtClean="0"/>
+              <a:rPr lang="en-US" sz="1200" dirty="0" smtClean="0"/>
               <a:t>+ </a:t>
             </a:r>
             <a:r>
-              <a:rPr lang="en-US" dirty="0" err="1" smtClean="0"/>
+              <a:rPr lang="en-US" sz="1200" dirty="0" err="1" smtClean="0"/>
               <a:t>ManageLeagueSubscribers</a:t>
             </a:r>
             <a:r>
-              <a:rPr lang="en-US" dirty="0" smtClean="0"/>
+              <a:rPr lang="en-US" sz="1200" dirty="0" smtClean="0"/>
               <a:t>(String </a:t>
             </a:r>
             <a:r>
-              <a:rPr lang="en-US" dirty="0" err="1" smtClean="0"/>
+              <a:rPr lang="en-US" sz="1200" dirty="0" err="1" smtClean="0"/>
               <a:t>userID</a:t>
             </a:r>
             <a:r>
-              <a:rPr lang="en-US" dirty="0" smtClean="0"/>
+              <a:rPr lang="en-US" sz="1200" dirty="0" smtClean="0"/>
               <a:t>)</a:t>
             </a:r>
           </a:p>
           <a:p>
             <a:r>
-              <a:rPr lang="en-US" dirty="0" smtClean="0"/>
+              <a:rPr lang="en-US" sz="1200" dirty="0" smtClean="0"/>
               <a:t>+ </a:t>
             </a:r>
             <a:r>
-              <a:rPr lang="en-US" dirty="0" err="1" smtClean="0"/>
-              <a:t>Approve</a:t>
-            </a:r>
-            <a:r>
-              <a:rPr lang="en-US" dirty="0" err="1" smtClean="0"/>
-              <a:t>LeagueSubscribers</a:t>
-            </a:r>
-            <a:r>
-              <a:rPr lang="en-US" dirty="0" smtClean="0"/>
+              <a:rPr lang="en-US" sz="1200" dirty="0" err="1" smtClean="0"/>
+              <a:t>ApproveLeagueSubscribers</a:t>
+            </a:r>
+            <a:r>
+              <a:rPr lang="en-US" sz="1200" dirty="0" smtClean="0"/>
               <a:t>(String </a:t>
             </a:r>
             <a:r>
-              <a:rPr lang="en-US" dirty="0" err="1" smtClean="0"/>
+              <a:rPr lang="en-US" sz="1200" dirty="0" err="1" smtClean="0"/>
               <a:t>userID</a:t>
             </a:r>
             <a:r>
-              <a:rPr lang="en-US" dirty="0" smtClean="0"/>
+              <a:rPr lang="en-US" sz="1200" dirty="0" smtClean="0"/>
               <a:t>)</a:t>
             </a:r>
           </a:p>
@@ -3465,16 +3512,22 @@
         </p:nvSpPr>
         <p:spPr>
           <a:xfrm>
-            <a:off x="4186989" y="435141"/>
-            <a:ext cx="3960812" cy="1692441"/>
+            <a:off x="3721100" y="0"/>
+            <a:ext cx="3960812" cy="2209800"/>
           </a:xfrm>
           <a:prstGeom prst="rect">
             <a:avLst/>
           </a:prstGeom>
+          <a:noFill/>
+          <a:ln>
+            <a:solidFill>
+              <a:schemeClr val="tx1"/>
+            </a:solidFill>
+          </a:ln>
         </p:spPr>
         <p:txBody>
           <a:bodyPr vert="horz" lIns="91440" tIns="45720" rIns="91440" bIns="45720" rtlCol="0">
-            <a:normAutofit fontScale="70000" lnSpcReduction="20000"/>
+            <a:normAutofit lnSpcReduction="10000"/>
           </a:bodyPr>
           <a:lstStyle>
             <a:lvl1pPr marL="0" indent="0" algn="l" defTabSz="914400" rtl="0" eaLnBrk="1" latinLnBrk="0" hangingPunct="1">
@@ -3642,110 +3695,144 @@
           </a:lstStyle>
           <a:p>
             <a:r>
-              <a:rPr lang="en-US" dirty="0" smtClean="0"/>
+              <a:rPr lang="en-US" sz="900" dirty="0" smtClean="0"/>
               <a:t>Player</a:t>
             </a:r>
           </a:p>
           <a:p>
             <a:r>
-              <a:rPr lang="en-US" dirty="0" smtClean="0"/>
+              <a:rPr lang="en-US" sz="900" dirty="0" smtClean="0"/>
               <a:t>+ </a:t>
             </a:r>
             <a:r>
-              <a:rPr lang="en-US" dirty="0" err="1" smtClean="0"/>
+              <a:rPr lang="en-US" sz="900" dirty="0" err="1" smtClean="0"/>
               <a:t>userID</a:t>
             </a:r>
             <a:r>
-              <a:rPr lang="en-US" dirty="0" smtClean="0"/>
+              <a:rPr lang="en-US" sz="900" dirty="0" smtClean="0"/>
+              <a:t>: </a:t>
+            </a:r>
+            <a:r>
+              <a:rPr lang="en-US" sz="900" dirty="0" smtClean="0"/>
+              <a:t>String</a:t>
+            </a:r>
+          </a:p>
+          <a:p>
+            <a:r>
+              <a:rPr lang="en-US" sz="900" dirty="0"/>
+              <a:t>+ </a:t>
+            </a:r>
+            <a:r>
+              <a:rPr lang="en-US" sz="900" dirty="0" err="1"/>
+              <a:t>userName</a:t>
+            </a:r>
+            <a:r>
+              <a:rPr lang="en-US" sz="900" dirty="0"/>
               <a:t>: String</a:t>
             </a:r>
           </a:p>
           <a:p>
             <a:r>
-              <a:rPr lang="en-US" dirty="0" smtClean="0"/>
-              <a:t>-------------------------------------------------------------------</a:t>
-            </a:r>
-          </a:p>
-          <a:p>
-            <a:r>
-              <a:rPr lang="en-US" dirty="0" smtClean="0"/>
+              <a:rPr lang="en-US" sz="900" dirty="0"/>
+              <a:t>+ </a:t>
+            </a:r>
+            <a:r>
+              <a:rPr lang="en-US" sz="900" dirty="0" err="1"/>
+              <a:t>userPassword</a:t>
+            </a:r>
+            <a:r>
+              <a:rPr lang="en-US" sz="900" dirty="0"/>
+              <a:t>: </a:t>
+            </a:r>
+            <a:r>
+              <a:rPr lang="en-US" sz="900" dirty="0" smtClean="0"/>
+              <a:t>String</a:t>
+            </a:r>
+            <a:endParaRPr lang="en-US" sz="900" dirty="0" smtClean="0"/>
+          </a:p>
+          <a:p>
+            <a:endParaRPr lang="en-US" sz="900" dirty="0" smtClean="0"/>
+          </a:p>
+          <a:p>
+            <a:r>
+              <a:rPr lang="en-US" sz="900" dirty="0" smtClean="0"/>
               <a:t>+ Login(String username, string </a:t>
             </a:r>
             <a:r>
-              <a:rPr lang="en-US" dirty="0" err="1" smtClean="0"/>
+              <a:rPr lang="en-US" sz="900" dirty="0" err="1" smtClean="0"/>
               <a:t>userPassword</a:t>
             </a:r>
             <a:r>
-              <a:rPr lang="en-US" dirty="0" smtClean="0"/>
+              <a:rPr lang="en-US" sz="900" dirty="0" smtClean="0"/>
               <a:t>)</a:t>
             </a:r>
           </a:p>
           <a:p>
             <a:r>
-              <a:rPr lang="en-US" dirty="0" smtClean="0"/>
+              <a:rPr lang="en-US" sz="900" dirty="0" smtClean="0"/>
               <a:t>+ </a:t>
             </a:r>
             <a:r>
-              <a:rPr lang="en-US" dirty="0" err="1" smtClean="0"/>
+              <a:rPr lang="en-US" sz="900" dirty="0" err="1" smtClean="0"/>
               <a:t>ApplyToLeague</a:t>
             </a:r>
             <a:r>
-              <a:rPr lang="en-US" dirty="0" smtClean="0"/>
+              <a:rPr lang="en-US" sz="900" dirty="0" smtClean="0"/>
               <a:t>(String </a:t>
             </a:r>
             <a:r>
-              <a:rPr lang="en-US" dirty="0" err="1" smtClean="0"/>
+              <a:rPr lang="en-US" sz="900" dirty="0" err="1" smtClean="0"/>
               <a:t>LeagueID</a:t>
             </a:r>
             <a:r>
-              <a:rPr lang="en-US" dirty="0" smtClean="0"/>
+              <a:rPr lang="en-US" sz="900" dirty="0" smtClean="0"/>
               <a:t>)</a:t>
             </a:r>
           </a:p>
           <a:p>
             <a:r>
-              <a:rPr lang="en-US" dirty="0" smtClean="0"/>
+              <a:rPr lang="en-US" sz="900" dirty="0" smtClean="0"/>
               <a:t>+ </a:t>
             </a:r>
             <a:r>
-              <a:rPr lang="en-US" dirty="0" err="1" smtClean="0"/>
+              <a:rPr lang="en-US" sz="900" dirty="0" err="1" smtClean="0"/>
               <a:t>DropOutOfTournament</a:t>
             </a:r>
             <a:r>
-              <a:rPr lang="en-US" dirty="0" smtClean="0"/>
+              <a:rPr lang="en-US" sz="900" dirty="0" smtClean="0"/>
               <a:t>(String </a:t>
             </a:r>
             <a:r>
-              <a:rPr lang="en-US" dirty="0" err="1" smtClean="0"/>
+              <a:rPr lang="en-US" sz="900" dirty="0" err="1" smtClean="0"/>
               <a:t>TournamentID</a:t>
             </a:r>
             <a:r>
-              <a:rPr lang="en-US" dirty="0" smtClean="0"/>
+              <a:rPr lang="en-US" sz="900" dirty="0" smtClean="0"/>
               <a:t>)</a:t>
             </a:r>
           </a:p>
           <a:p>
             <a:r>
-              <a:rPr lang="en-US" dirty="0" smtClean="0"/>
+              <a:rPr lang="en-US" sz="900" dirty="0" smtClean="0"/>
               <a:t>+ </a:t>
             </a:r>
             <a:r>
-              <a:rPr lang="en-US" dirty="0" err="1" smtClean="0"/>
+              <a:rPr lang="en-US" sz="900" dirty="0" err="1" smtClean="0"/>
               <a:t>PlayInTrounament</a:t>
             </a:r>
             <a:r>
-              <a:rPr lang="en-US" dirty="0" smtClean="0"/>
+              <a:rPr lang="en-US" sz="900" dirty="0" smtClean="0"/>
               <a:t>(String </a:t>
             </a:r>
             <a:r>
-              <a:rPr lang="en-US" dirty="0" err="1" smtClean="0"/>
+              <a:rPr lang="en-US" sz="900" dirty="0" err="1" smtClean="0"/>
               <a:t>TournamentID</a:t>
             </a:r>
             <a:r>
-              <a:rPr lang="en-US" dirty="0" smtClean="0"/>
+              <a:rPr lang="en-US" sz="900" dirty="0" smtClean="0"/>
               <a:t>)</a:t>
             </a:r>
-            <a:endParaRPr lang="en-US" dirty="0"/>
+            <a:endParaRPr lang="en-US" sz="900" dirty="0"/>
           </a:p>
         </p:txBody>
       </p:sp>
@@ -3759,16 +3846,22 @@
         </p:nvSpPr>
         <p:spPr>
           <a:xfrm>
-            <a:off x="226177" y="4632157"/>
-            <a:ext cx="3960812" cy="1878936"/>
+            <a:off x="8231188" y="0"/>
+            <a:ext cx="3960812" cy="2389942"/>
           </a:xfrm>
           <a:prstGeom prst="rect">
             <a:avLst/>
           </a:prstGeom>
+          <a:noFill/>
+          <a:ln>
+            <a:solidFill>
+              <a:schemeClr val="tx1"/>
+            </a:solidFill>
+          </a:ln>
         </p:spPr>
         <p:txBody>
           <a:bodyPr vert="horz" lIns="91440" tIns="45720" rIns="91440" bIns="45720" rtlCol="0">
-            <a:normAutofit fontScale="77500" lnSpcReduction="20000"/>
+            <a:normAutofit/>
           </a:bodyPr>
           <a:lstStyle>
             <a:lvl1pPr marL="0" indent="0" algn="l" defTabSz="914400" rtl="0" eaLnBrk="1" latinLnBrk="0" hangingPunct="1">
@@ -3936,111 +4029,144 @@
           </a:lstStyle>
           <a:p>
             <a:r>
-              <a:rPr lang="en-US" dirty="0" smtClean="0"/>
+              <a:rPr lang="en-US" sz="1000" dirty="0" smtClean="0"/>
               <a:t>Advertiser</a:t>
             </a:r>
           </a:p>
           <a:p>
             <a:r>
-              <a:rPr lang="en-US" dirty="0" smtClean="0"/>
+              <a:rPr lang="en-US" sz="1000" dirty="0" smtClean="0"/>
               <a:t>+ </a:t>
             </a:r>
             <a:r>
-              <a:rPr lang="en-US" dirty="0" err="1" smtClean="0"/>
+              <a:rPr lang="en-US" sz="1000" dirty="0" err="1" smtClean="0"/>
               <a:t>userID</a:t>
             </a:r>
             <a:r>
-              <a:rPr lang="en-US" dirty="0" smtClean="0"/>
+              <a:rPr lang="en-US" sz="1000" dirty="0" smtClean="0"/>
+              <a:t>: </a:t>
+            </a:r>
+            <a:r>
+              <a:rPr lang="en-US" sz="1000" dirty="0" smtClean="0"/>
+              <a:t>String</a:t>
+            </a:r>
+          </a:p>
+          <a:p>
+            <a:r>
+              <a:rPr lang="en-US" sz="1000" dirty="0"/>
+              <a:t>+ </a:t>
+            </a:r>
+            <a:r>
+              <a:rPr lang="en-US" sz="1000" dirty="0" err="1"/>
+              <a:t>userName</a:t>
+            </a:r>
+            <a:r>
+              <a:rPr lang="en-US" sz="1000" dirty="0"/>
               <a:t>: String</a:t>
             </a:r>
           </a:p>
           <a:p>
             <a:r>
-              <a:rPr lang="en-US" dirty="0" smtClean="0"/>
-              <a:t>-------------------------------------------------------------------</a:t>
-            </a:r>
-            <a:endParaRPr lang="en-US" dirty="0" smtClean="0"/>
-          </a:p>
-          <a:p>
-            <a:r>
-              <a:rPr lang="en-US" dirty="0" smtClean="0"/>
+              <a:rPr lang="en-US" sz="1000" dirty="0"/>
               <a:t>+ </a:t>
             </a:r>
             <a:r>
-              <a:rPr lang="en-US" dirty="0" err="1" smtClean="0"/>
+              <a:rPr lang="en-US" sz="1000" dirty="0" err="1"/>
+              <a:t>userPassword</a:t>
+            </a:r>
+            <a:r>
+              <a:rPr lang="en-US" sz="1000" dirty="0"/>
+              <a:t>: </a:t>
+            </a:r>
+            <a:r>
+              <a:rPr lang="en-US" sz="1000" dirty="0" smtClean="0"/>
+              <a:t>String</a:t>
+            </a:r>
+            <a:endParaRPr lang="en-US" sz="1000" dirty="0" smtClean="0"/>
+          </a:p>
+          <a:p>
+            <a:endParaRPr lang="en-US" sz="1000" dirty="0" smtClean="0"/>
+          </a:p>
+          <a:p>
+            <a:r>
+              <a:rPr lang="en-US" sz="1000" dirty="0" smtClean="0"/>
+              <a:t>+ </a:t>
+            </a:r>
+            <a:r>
+              <a:rPr lang="en-US" sz="1000" dirty="0" err="1" smtClean="0"/>
               <a:t>UploadAds</a:t>
             </a:r>
             <a:r>
-              <a:rPr lang="en-US" dirty="0" smtClean="0"/>
+              <a:rPr lang="en-US" sz="1000" dirty="0" smtClean="0"/>
               <a:t>(String </a:t>
             </a:r>
             <a:r>
-              <a:rPr lang="en-US" dirty="0" err="1" smtClean="0"/>
+              <a:rPr lang="en-US" sz="1000" dirty="0" err="1" smtClean="0"/>
               <a:t>adID</a:t>
             </a:r>
             <a:r>
-              <a:rPr lang="en-US" dirty="0" smtClean="0"/>
+              <a:rPr lang="en-US" sz="1000" dirty="0" smtClean="0"/>
               <a:t>)</a:t>
             </a:r>
           </a:p>
           <a:p>
             <a:r>
-              <a:rPr lang="en-US" dirty="0" smtClean="0"/>
+              <a:rPr lang="en-US" sz="1000" dirty="0" smtClean="0"/>
               <a:t>+ </a:t>
             </a:r>
             <a:r>
-              <a:rPr lang="en-US" dirty="0" err="1" smtClean="0"/>
+              <a:rPr lang="en-US" sz="1000" dirty="0" err="1" smtClean="0"/>
               <a:t>SelectAdScheme</a:t>
             </a:r>
             <a:r>
-              <a:rPr lang="en-US" dirty="0" smtClean="0"/>
+              <a:rPr lang="en-US" sz="1000" dirty="0" smtClean="0"/>
               <a:t>(String </a:t>
             </a:r>
             <a:r>
-              <a:rPr lang="en-US" dirty="0" err="1" smtClean="0"/>
+              <a:rPr lang="en-US" sz="1000" dirty="0" err="1" smtClean="0"/>
               <a:t>adSchemeID</a:t>
             </a:r>
             <a:r>
-              <a:rPr lang="en-US" dirty="0" smtClean="0"/>
+              <a:rPr lang="en-US" sz="1000" dirty="0" smtClean="0"/>
               <a:t>)</a:t>
             </a:r>
           </a:p>
           <a:p>
             <a:r>
-              <a:rPr lang="en-US" dirty="0" smtClean="0"/>
+              <a:rPr lang="en-US" sz="1000" dirty="0" smtClean="0"/>
               <a:t>+ </a:t>
             </a:r>
             <a:r>
-              <a:rPr lang="en-US" dirty="0" err="1" smtClean="0"/>
+              <a:rPr lang="en-US" sz="1000" dirty="0" err="1" smtClean="0"/>
               <a:t>CheckBalance</a:t>
             </a:r>
             <a:r>
-              <a:rPr lang="en-US" dirty="0" smtClean="0"/>
+              <a:rPr lang="en-US" sz="1000" dirty="0" smtClean="0"/>
               <a:t>()</a:t>
             </a:r>
           </a:p>
           <a:p>
             <a:r>
-              <a:rPr lang="en-US" dirty="0" smtClean="0"/>
+              <a:rPr lang="en-US" sz="1000" dirty="0" smtClean="0"/>
               <a:t>+ </a:t>
             </a:r>
             <a:r>
-              <a:rPr lang="en-US" dirty="0" err="1" smtClean="0"/>
+              <a:rPr lang="en-US" sz="1000" dirty="0" err="1" smtClean="0"/>
               <a:t>CancelAd</a:t>
             </a:r>
             <a:r>
-              <a:rPr lang="en-US" dirty="0" smtClean="0"/>
+              <a:rPr lang="en-US" sz="1000" dirty="0" smtClean="0"/>
               <a:t>(String </a:t>
             </a:r>
             <a:r>
-              <a:rPr lang="en-US" dirty="0" err="1" smtClean="0"/>
+              <a:rPr lang="en-US" sz="1000" dirty="0" err="1" smtClean="0"/>
               <a:t>adID</a:t>
             </a:r>
             <a:r>
-              <a:rPr lang="en-US" dirty="0" smtClean="0"/>
+              <a:rPr lang="en-US" sz="1000" dirty="0" smtClean="0"/>
               <a:t>)</a:t>
             </a:r>
-            <a:endParaRPr lang="en-US" dirty="0"/>
+            <a:endParaRPr lang="en-US" sz="1000" dirty="0"/>
           </a:p>
         </p:txBody>
       </p:sp>
@@ -4054,16 +4180,22 @@
         </p:nvSpPr>
         <p:spPr>
           <a:xfrm>
-            <a:off x="4430043" y="3138245"/>
+            <a:off x="5396706" y="4454697"/>
             <a:ext cx="3072064" cy="1255290"/>
           </a:xfrm>
           <a:prstGeom prst="rect">
             <a:avLst/>
           </a:prstGeom>
+          <a:noFill/>
+          <a:ln>
+            <a:solidFill>
+              <a:schemeClr val="tx1"/>
+            </a:solidFill>
+          </a:ln>
         </p:spPr>
         <p:txBody>
           <a:bodyPr vert="horz" lIns="91440" tIns="45720" rIns="91440" bIns="45720" rtlCol="0">
-            <a:normAutofit fontScale="77500" lnSpcReduction="20000"/>
+            <a:normAutofit fontScale="70000" lnSpcReduction="20000"/>
           </a:bodyPr>
           <a:lstStyle>
             <a:lvl1pPr marL="0" indent="0" algn="l" defTabSz="914400" rtl="0" eaLnBrk="1" latinLnBrk="0" hangingPunct="1">
@@ -4236,15 +4368,30 @@
             </a:r>
           </a:p>
           <a:p>
-            <a:endParaRPr lang="en-US" dirty="0" smtClean="0"/>
-          </a:p>
-          <a:p>
             <a:r>
               <a:rPr lang="en-US" dirty="0" smtClean="0"/>
               <a:t>+ </a:t>
             </a:r>
             <a:r>
               <a:rPr lang="en-US" dirty="0" err="1" smtClean="0"/>
+              <a:t>userID</a:t>
+            </a:r>
+            <a:r>
+              <a:rPr lang="en-US" dirty="0" smtClean="0"/>
+              <a:t>: String</a:t>
+            </a:r>
+            <a:endParaRPr lang="en-US" dirty="0" smtClean="0"/>
+          </a:p>
+          <a:p>
+            <a:endParaRPr lang="en-US" dirty="0" smtClean="0"/>
+          </a:p>
+          <a:p>
+            <a:r>
+              <a:rPr lang="en-US" dirty="0" smtClean="0"/>
+              <a:t>+ </a:t>
+            </a:r>
+            <a:r>
+              <a:rPr lang="en-US" dirty="0" err="1" smtClean="0"/>
               <a:t>ViewCurrentMatches</a:t>
             </a:r>
             <a:r>
@@ -4293,6 +4440,361 @@
           </a:p>
         </p:txBody>
       </p:sp>
+      <p:cxnSp>
+        <p:nvCxnSpPr>
+          <p:cNvPr id="31" name="Straight Arrow Connector 30"/>
+          <p:cNvCxnSpPr>
+            <a:stCxn id="6" idx="2"/>
+            <a:endCxn id="7" idx="0"/>
+          </p:cNvCxnSpPr>
+          <p:nvPr/>
+        </p:nvCxnSpPr>
+        <p:spPr>
+          <a:xfrm>
+            <a:off x="1708150" y="2590800"/>
+            <a:ext cx="535106" cy="1165386"/>
+          </a:xfrm>
+          <a:prstGeom prst="straightConnector1">
+            <a:avLst/>
+          </a:prstGeom>
+          <a:ln>
+            <a:tailEnd type="triangle"/>
+          </a:ln>
+        </p:spPr>
+        <p:style>
+          <a:lnRef idx="1">
+            <a:schemeClr val="accent1"/>
+          </a:lnRef>
+          <a:fillRef idx="0">
+            <a:schemeClr val="accent1"/>
+          </a:fillRef>
+          <a:effectRef idx="0">
+            <a:schemeClr val="accent1"/>
+          </a:effectRef>
+          <a:fontRef idx="minor">
+            <a:schemeClr val="tx1"/>
+          </a:fontRef>
+        </p:style>
+      </p:cxnSp>
+      <p:cxnSp>
+        <p:nvCxnSpPr>
+          <p:cNvPr id="33" name="Straight Arrow Connector 32"/>
+          <p:cNvCxnSpPr>
+            <a:stCxn id="6" idx="2"/>
+            <a:endCxn id="11" idx="0"/>
+          </p:cNvCxnSpPr>
+          <p:nvPr/>
+        </p:nvCxnSpPr>
+        <p:spPr>
+          <a:xfrm>
+            <a:off x="1708150" y="2590800"/>
+            <a:ext cx="5224588" cy="1863897"/>
+          </a:xfrm>
+          <a:prstGeom prst="straightConnector1">
+            <a:avLst/>
+          </a:prstGeom>
+          <a:ln>
+            <a:tailEnd type="triangle"/>
+          </a:ln>
+        </p:spPr>
+        <p:style>
+          <a:lnRef idx="1">
+            <a:schemeClr val="accent1"/>
+          </a:lnRef>
+          <a:fillRef idx="0">
+            <a:schemeClr val="accent1"/>
+          </a:fillRef>
+          <a:effectRef idx="0">
+            <a:schemeClr val="accent1"/>
+          </a:effectRef>
+          <a:fontRef idx="minor">
+            <a:schemeClr val="tx1"/>
+          </a:fontRef>
+        </p:style>
+      </p:cxnSp>
+      <p:cxnSp>
+        <p:nvCxnSpPr>
+          <p:cNvPr id="35" name="Straight Arrow Connector 34"/>
+          <p:cNvCxnSpPr>
+            <a:stCxn id="9" idx="2"/>
+            <a:endCxn id="11" idx="0"/>
+          </p:cNvCxnSpPr>
+          <p:nvPr/>
+        </p:nvCxnSpPr>
+        <p:spPr>
+          <a:xfrm>
+            <a:off x="5701506" y="2209800"/>
+            <a:ext cx="1231232" cy="2244897"/>
+          </a:xfrm>
+          <a:prstGeom prst="straightConnector1">
+            <a:avLst/>
+          </a:prstGeom>
+          <a:ln>
+            <a:tailEnd type="triangle"/>
+          </a:ln>
+        </p:spPr>
+        <p:style>
+          <a:lnRef idx="1">
+            <a:schemeClr val="accent1"/>
+          </a:lnRef>
+          <a:fillRef idx="0">
+            <a:schemeClr val="accent1"/>
+          </a:fillRef>
+          <a:effectRef idx="0">
+            <a:schemeClr val="accent1"/>
+          </a:effectRef>
+          <a:fontRef idx="minor">
+            <a:schemeClr val="tx1"/>
+          </a:fontRef>
+        </p:style>
+      </p:cxnSp>
+      <p:cxnSp>
+        <p:nvCxnSpPr>
+          <p:cNvPr id="37" name="Straight Arrow Connector 36"/>
+          <p:cNvCxnSpPr>
+            <a:stCxn id="9" idx="2"/>
+            <a:endCxn id="7" idx="0"/>
+          </p:cNvCxnSpPr>
+          <p:nvPr/>
+        </p:nvCxnSpPr>
+        <p:spPr>
+          <a:xfrm flipH="1">
+            <a:off x="2243256" y="2209800"/>
+            <a:ext cx="3458250" cy="1546386"/>
+          </a:xfrm>
+          <a:prstGeom prst="straightConnector1">
+            <a:avLst/>
+          </a:prstGeom>
+          <a:ln>
+            <a:tailEnd type="triangle"/>
+          </a:ln>
+        </p:spPr>
+        <p:style>
+          <a:lnRef idx="1">
+            <a:schemeClr val="accent1"/>
+          </a:lnRef>
+          <a:fillRef idx="0">
+            <a:schemeClr val="accent1"/>
+          </a:fillRef>
+          <a:effectRef idx="0">
+            <a:schemeClr val="accent1"/>
+          </a:effectRef>
+          <a:fontRef idx="minor">
+            <a:schemeClr val="tx1"/>
+          </a:fontRef>
+        </p:style>
+      </p:cxnSp>
+      <p:cxnSp>
+        <p:nvCxnSpPr>
+          <p:cNvPr id="39" name="Straight Arrow Connector 38"/>
+          <p:cNvCxnSpPr>
+            <a:stCxn id="10" idx="2"/>
+            <a:endCxn id="11" idx="0"/>
+          </p:cNvCxnSpPr>
+          <p:nvPr/>
+        </p:nvCxnSpPr>
+        <p:spPr>
+          <a:xfrm flipH="1">
+            <a:off x="6932738" y="2389942"/>
+            <a:ext cx="3278856" cy="2064755"/>
+          </a:xfrm>
+          <a:prstGeom prst="straightConnector1">
+            <a:avLst/>
+          </a:prstGeom>
+          <a:ln>
+            <a:tailEnd type="triangle"/>
+          </a:ln>
+        </p:spPr>
+        <p:style>
+          <a:lnRef idx="1">
+            <a:schemeClr val="accent1"/>
+          </a:lnRef>
+          <a:fillRef idx="0">
+            <a:schemeClr val="accent1"/>
+          </a:fillRef>
+          <a:effectRef idx="0">
+            <a:schemeClr val="accent1"/>
+          </a:effectRef>
+          <a:fontRef idx="minor">
+            <a:schemeClr val="tx1"/>
+          </a:fontRef>
+        </p:style>
+      </p:cxnSp>
+      <p:cxnSp>
+        <p:nvCxnSpPr>
+          <p:cNvPr id="41" name="Straight Connector 40"/>
+          <p:cNvCxnSpPr/>
+          <p:nvPr/>
+        </p:nvCxnSpPr>
+        <p:spPr>
+          <a:xfrm>
+            <a:off x="172118" y="4454697"/>
+            <a:ext cx="4137931" cy="0"/>
+          </a:xfrm>
+          <a:prstGeom prst="line">
+            <a:avLst/>
+          </a:prstGeom>
+          <a:ln>
+            <a:solidFill>
+              <a:schemeClr val="tx1"/>
+            </a:solidFill>
+          </a:ln>
+        </p:spPr>
+        <p:style>
+          <a:lnRef idx="1">
+            <a:schemeClr val="accent1"/>
+          </a:lnRef>
+          <a:fillRef idx="0">
+            <a:schemeClr val="accent1"/>
+          </a:fillRef>
+          <a:effectRef idx="0">
+            <a:schemeClr val="accent1"/>
+          </a:effectRef>
+          <a:fontRef idx="minor">
+            <a:schemeClr val="tx1"/>
+          </a:fontRef>
+        </p:style>
+      </p:cxnSp>
+      <p:cxnSp>
+        <p:nvCxnSpPr>
+          <p:cNvPr id="46" name="Straight Connector 45"/>
+          <p:cNvCxnSpPr/>
+          <p:nvPr/>
+        </p:nvCxnSpPr>
+        <p:spPr>
+          <a:xfrm flipH="1">
+            <a:off x="0" y="1104900"/>
+            <a:ext cx="3416300" cy="0"/>
+          </a:xfrm>
+          <a:prstGeom prst="line">
+            <a:avLst/>
+          </a:prstGeom>
+          <a:ln>
+            <a:solidFill>
+              <a:schemeClr val="tx1"/>
+            </a:solidFill>
+          </a:ln>
+        </p:spPr>
+        <p:style>
+          <a:lnRef idx="1">
+            <a:schemeClr val="accent1"/>
+          </a:lnRef>
+          <a:fillRef idx="0">
+            <a:schemeClr val="accent1"/>
+          </a:fillRef>
+          <a:effectRef idx="0">
+            <a:schemeClr val="accent1"/>
+          </a:effectRef>
+          <a:fontRef idx="minor">
+            <a:schemeClr val="tx1"/>
+          </a:fontRef>
+        </p:style>
+      </p:cxnSp>
+      <p:cxnSp>
+        <p:nvCxnSpPr>
+          <p:cNvPr id="48" name="Straight Connector 47"/>
+          <p:cNvCxnSpPr/>
+          <p:nvPr/>
+        </p:nvCxnSpPr>
+        <p:spPr>
+          <a:xfrm>
+            <a:off x="3721100" y="958850"/>
+            <a:ext cx="3960812" cy="0"/>
+          </a:xfrm>
+          <a:prstGeom prst="line">
+            <a:avLst/>
+          </a:prstGeom>
+          <a:ln>
+            <a:solidFill>
+              <a:schemeClr val="tx1"/>
+            </a:solidFill>
+          </a:ln>
+        </p:spPr>
+        <p:style>
+          <a:lnRef idx="1">
+            <a:schemeClr val="accent1"/>
+          </a:lnRef>
+          <a:fillRef idx="0">
+            <a:schemeClr val="accent1"/>
+          </a:fillRef>
+          <a:effectRef idx="0">
+            <a:schemeClr val="accent1"/>
+          </a:effectRef>
+          <a:fontRef idx="minor">
+            <a:schemeClr val="tx1"/>
+          </a:fontRef>
+        </p:style>
+      </p:cxnSp>
+      <p:cxnSp>
+        <p:nvCxnSpPr>
+          <p:cNvPr id="50" name="Straight Connector 49"/>
+          <p:cNvCxnSpPr/>
+          <p:nvPr/>
+        </p:nvCxnSpPr>
+        <p:spPr>
+          <a:xfrm>
+            <a:off x="8231188" y="1080671"/>
+            <a:ext cx="3960812" cy="0"/>
+          </a:xfrm>
+          <a:prstGeom prst="line">
+            <a:avLst/>
+          </a:prstGeom>
+          <a:ln>
+            <a:solidFill>
+              <a:schemeClr val="tx1"/>
+            </a:solidFill>
+          </a:ln>
+        </p:spPr>
+        <p:style>
+          <a:lnRef idx="1">
+            <a:schemeClr val="accent1"/>
+          </a:lnRef>
+          <a:fillRef idx="0">
+            <a:schemeClr val="accent1"/>
+          </a:fillRef>
+          <a:effectRef idx="0">
+            <a:schemeClr val="accent1"/>
+          </a:effectRef>
+          <a:fontRef idx="minor">
+            <a:schemeClr val="tx1"/>
+          </a:fontRef>
+        </p:style>
+      </p:cxnSp>
+      <p:cxnSp>
+        <p:nvCxnSpPr>
+          <p:cNvPr id="52" name="Straight Connector 51"/>
+          <p:cNvCxnSpPr/>
+          <p:nvPr/>
+        </p:nvCxnSpPr>
+        <p:spPr>
+          <a:xfrm>
+            <a:off x="5396706" y="4974392"/>
+            <a:ext cx="3072064" cy="0"/>
+          </a:xfrm>
+          <a:prstGeom prst="line">
+            <a:avLst/>
+          </a:prstGeom>
+          <a:ln>
+            <a:solidFill>
+              <a:schemeClr val="tx1"/>
+            </a:solidFill>
+          </a:ln>
+        </p:spPr>
+        <p:style>
+          <a:lnRef idx="1">
+            <a:schemeClr val="accent1"/>
+          </a:lnRef>
+          <a:fillRef idx="0">
+            <a:schemeClr val="accent1"/>
+          </a:fillRef>
+          <a:effectRef idx="0">
+            <a:schemeClr val="accent1"/>
+          </a:effectRef>
+          <a:fontRef idx="minor">
+            <a:schemeClr val="tx1"/>
+          </a:fontRef>
+        </p:style>
+      </p:cxnSp>
     </p:spTree>
     <p:extLst>
       <p:ext uri="{BB962C8B-B14F-4D97-AF65-F5344CB8AC3E}">
